--- a/Presentation/Presentation.pptx
+++ b/Presentation/Presentation.pptx
@@ -112,6 +112,11 @@
       </a:defRPr>
     </a:lvl9pPr>
   </p:defaultTextStyle>
+  <p:extLst>
+    <p:ext uri="{EFAFB233-063F-42B5-8137-9DF3F51BA10A}">
+      <p15:sldGuideLst xmlns:p15="http://schemas.microsoft.com/office/powerpoint/2012/main"/>
+    </p:ext>
+  </p:extLst>
 </p:presentation>
 </file>
 
@@ -254,7 +259,7 @@
           <a:p>
             <a:fld id="{48A87A34-81AB-432B-8DAE-1953F412C126}" type="datetimeFigureOut">
               <a:rPr lang="en-US" dirty="0"/>
-              <a:t>10/3/21</a:t>
+              <a:t>10/11/21</a:t>
             </a:fld>
             <a:endParaRPr lang="en-US" dirty="0"/>
           </a:p>
@@ -348,13 +353,13 @@
   <p:clrMapOvr>
     <a:masterClrMapping/>
   </p:clrMapOvr>
-  <mc:AlternateContent xmlns:mc="http://schemas.openxmlformats.org/markup-compatibility/2006">
-    <mc:Choice xmlns:p159="http://schemas.microsoft.com/office/powerpoint/2015/09/main" Requires="p159">
+  <mc:AlternateContent xmlns:mc="http://schemas.openxmlformats.org/markup-compatibility/2006" xmlns:p159="http://schemas.microsoft.com/office/powerpoint/2015/09/main">
+    <mc:Choice Requires="p159">
       <p:transition xmlns:p14="http://schemas.microsoft.com/office/powerpoint/2010/main" spd="slow" p14:dur="2000">
         <p159:morph option="byObject"/>
       </p:transition>
     </mc:Choice>
-    <mc:Fallback>
+    <mc:Fallback xmlns="">
       <p:transition spd="slow">
         <p:fade/>
       </p:transition>
@@ -472,7 +477,7 @@
           <a:p>
             <a:fld id="{48A87A34-81AB-432B-8DAE-1953F412C126}" type="datetimeFigureOut">
               <a:rPr lang="en-US" dirty="0"/>
-              <a:t>10/3/21</a:t>
+              <a:t>10/11/21</a:t>
             </a:fld>
             <a:endParaRPr lang="en-US" dirty="0"/>
           </a:p>
@@ -556,13 +561,13 @@
   <p:clrMapOvr>
     <a:masterClrMapping/>
   </p:clrMapOvr>
-  <mc:AlternateContent xmlns:mc="http://schemas.openxmlformats.org/markup-compatibility/2006">
-    <mc:Choice xmlns:p159="http://schemas.microsoft.com/office/powerpoint/2015/09/main" Requires="p159">
+  <mc:AlternateContent xmlns:mc="http://schemas.openxmlformats.org/markup-compatibility/2006" xmlns:p159="http://schemas.microsoft.com/office/powerpoint/2015/09/main">
+    <mc:Choice Requires="p159">
       <p:transition xmlns:p14="http://schemas.microsoft.com/office/powerpoint/2010/main" spd="slow" p14:dur="2000">
         <p159:morph option="byObject"/>
       </p:transition>
     </mc:Choice>
-    <mc:Fallback>
+    <mc:Fallback xmlns="">
       <p:transition spd="slow">
         <p:fade/>
       </p:transition>
@@ -694,7 +699,7 @@
           <a:p>
             <a:fld id="{48A87A34-81AB-432B-8DAE-1953F412C126}" type="datetimeFigureOut">
               <a:rPr lang="en-US" dirty="0"/>
-              <a:t>10/3/21</a:t>
+              <a:t>10/11/21</a:t>
             </a:fld>
             <a:endParaRPr lang="en-US" dirty="0"/>
           </a:p>
@@ -778,13 +783,13 @@
   <p:clrMapOvr>
     <a:masterClrMapping/>
   </p:clrMapOvr>
-  <mc:AlternateContent xmlns:mc="http://schemas.openxmlformats.org/markup-compatibility/2006">
-    <mc:Choice xmlns:p159="http://schemas.microsoft.com/office/powerpoint/2015/09/main" Requires="p159">
+  <mc:AlternateContent xmlns:mc="http://schemas.openxmlformats.org/markup-compatibility/2006" xmlns:p159="http://schemas.microsoft.com/office/powerpoint/2015/09/main">
+    <mc:Choice Requires="p159">
       <p:transition xmlns:p14="http://schemas.microsoft.com/office/powerpoint/2010/main" spd="slow" p14:dur="2000">
         <p159:morph option="byObject"/>
       </p:transition>
     </mc:Choice>
-    <mc:Fallback>
+    <mc:Fallback xmlns="">
       <p:transition spd="slow">
         <p:fade/>
       </p:transition>
@@ -902,7 +907,7 @@
           <a:p>
             <a:fld id="{48A87A34-81AB-432B-8DAE-1953F412C126}" type="datetimeFigureOut">
               <a:rPr lang="en-US" dirty="0"/>
-              <a:t>10/3/21</a:t>
+              <a:t>10/11/21</a:t>
             </a:fld>
             <a:endParaRPr lang="en-US" dirty="0"/>
           </a:p>
@@ -986,13 +991,13 @@
   <p:clrMapOvr>
     <a:masterClrMapping/>
   </p:clrMapOvr>
-  <mc:AlternateContent xmlns:mc="http://schemas.openxmlformats.org/markup-compatibility/2006">
-    <mc:Choice xmlns:p159="http://schemas.microsoft.com/office/powerpoint/2015/09/main" Requires="p159">
+  <mc:AlternateContent xmlns:mc="http://schemas.openxmlformats.org/markup-compatibility/2006" xmlns:p159="http://schemas.microsoft.com/office/powerpoint/2015/09/main">
+    <mc:Choice Requires="p159">
       <p:transition xmlns:p14="http://schemas.microsoft.com/office/powerpoint/2010/main" spd="slow" p14:dur="2000">
         <p159:morph option="byObject"/>
       </p:transition>
     </mc:Choice>
-    <mc:Fallback>
+    <mc:Fallback xmlns="">
       <p:transition spd="slow">
         <p:fade/>
       </p:transition>
@@ -1188,7 +1193,7 @@
           <a:p>
             <a:fld id="{48A87A34-81AB-432B-8DAE-1953F412C126}" type="datetimeFigureOut">
               <a:rPr lang="en-US" dirty="0"/>
-              <a:t>10/3/21</a:t>
+              <a:t>10/11/21</a:t>
             </a:fld>
             <a:endParaRPr lang="en-US" dirty="0"/>
           </a:p>
@@ -1272,13 +1277,13 @@
   <p:clrMapOvr>
     <a:masterClrMapping/>
   </p:clrMapOvr>
-  <mc:AlternateContent xmlns:mc="http://schemas.openxmlformats.org/markup-compatibility/2006">
-    <mc:Choice xmlns:p159="http://schemas.microsoft.com/office/powerpoint/2015/09/main" Requires="p159">
+  <mc:AlternateContent xmlns:mc="http://schemas.openxmlformats.org/markup-compatibility/2006" xmlns:p159="http://schemas.microsoft.com/office/powerpoint/2015/09/main">
+    <mc:Choice Requires="p159">
       <p:transition xmlns:p14="http://schemas.microsoft.com/office/powerpoint/2010/main" spd="slow" p14:dur="2000">
         <p159:morph option="byObject"/>
       </p:transition>
     </mc:Choice>
-    <mc:Fallback>
+    <mc:Fallback xmlns="">
       <p:transition spd="slow">
         <p:fade/>
       </p:transition>
@@ -1463,7 +1468,7 @@
           <a:p>
             <a:fld id="{48A87A34-81AB-432B-8DAE-1953F412C126}" type="datetimeFigureOut">
               <a:rPr lang="en-US" dirty="0"/>
-              <a:t>10/3/21</a:t>
+              <a:t>10/11/21</a:t>
             </a:fld>
             <a:endParaRPr lang="en-US" dirty="0"/>
           </a:p>
@@ -1547,13 +1552,13 @@
   <p:clrMapOvr>
     <a:masterClrMapping/>
   </p:clrMapOvr>
-  <mc:AlternateContent xmlns:mc="http://schemas.openxmlformats.org/markup-compatibility/2006">
-    <mc:Choice xmlns:p159="http://schemas.microsoft.com/office/powerpoint/2015/09/main" Requires="p159">
+  <mc:AlternateContent xmlns:mc="http://schemas.openxmlformats.org/markup-compatibility/2006" xmlns:p159="http://schemas.microsoft.com/office/powerpoint/2015/09/main">
+    <mc:Choice Requires="p159">
       <p:transition xmlns:p14="http://schemas.microsoft.com/office/powerpoint/2010/main" spd="slow" p14:dur="2000">
         <p159:morph option="byObject"/>
       </p:transition>
     </mc:Choice>
-    <mc:Fallback>
+    <mc:Fallback xmlns="">
       <p:transition spd="slow">
         <p:fade/>
       </p:transition>
@@ -1886,7 +1891,7 @@
           <a:p>
             <a:fld id="{48A87A34-81AB-432B-8DAE-1953F412C126}" type="datetimeFigureOut">
               <a:rPr lang="en-US" dirty="0"/>
-              <a:t>10/3/21</a:t>
+              <a:t>10/11/21</a:t>
             </a:fld>
             <a:endParaRPr lang="en-US" dirty="0"/>
           </a:p>
@@ -1970,13 +1975,13 @@
   <p:clrMapOvr>
     <a:masterClrMapping/>
   </p:clrMapOvr>
-  <mc:AlternateContent xmlns:mc="http://schemas.openxmlformats.org/markup-compatibility/2006">
-    <mc:Choice xmlns:p159="http://schemas.microsoft.com/office/powerpoint/2015/09/main" Requires="p159">
+  <mc:AlternateContent xmlns:mc="http://schemas.openxmlformats.org/markup-compatibility/2006" xmlns:p159="http://schemas.microsoft.com/office/powerpoint/2015/09/main">
+    <mc:Choice Requires="p159">
       <p:transition xmlns:p14="http://schemas.microsoft.com/office/powerpoint/2010/main" spd="slow" p14:dur="2000">
         <p159:morph option="byObject"/>
       </p:transition>
     </mc:Choice>
-    <mc:Fallback>
+    <mc:Fallback xmlns="">
       <p:transition spd="slow">
         <p:fade/>
       </p:transition>
@@ -2042,7 +2047,7 @@
           <a:p>
             <a:fld id="{48A87A34-81AB-432B-8DAE-1953F412C126}" type="datetimeFigureOut">
               <a:rPr lang="en-US" dirty="0"/>
-              <a:t>10/3/21</a:t>
+              <a:t>10/11/21</a:t>
             </a:fld>
             <a:endParaRPr lang="en-US" dirty="0"/>
           </a:p>
@@ -2126,13 +2131,13 @@
   <p:clrMapOvr>
     <a:masterClrMapping/>
   </p:clrMapOvr>
-  <mc:AlternateContent xmlns:mc="http://schemas.openxmlformats.org/markup-compatibility/2006">
-    <mc:Choice xmlns:p159="http://schemas.microsoft.com/office/powerpoint/2015/09/main" Requires="p159">
+  <mc:AlternateContent xmlns:mc="http://schemas.openxmlformats.org/markup-compatibility/2006" xmlns:p159="http://schemas.microsoft.com/office/powerpoint/2015/09/main">
+    <mc:Choice Requires="p159">
       <p:transition xmlns:p14="http://schemas.microsoft.com/office/powerpoint/2010/main" spd="slow" p14:dur="2000">
         <p159:morph option="byObject"/>
       </p:transition>
     </mc:Choice>
-    <mc:Fallback>
+    <mc:Fallback xmlns="">
       <p:transition spd="slow">
         <p:fade/>
       </p:transition>
@@ -2175,7 +2180,7 @@
           <a:p>
             <a:fld id="{48A87A34-81AB-432B-8DAE-1953F412C126}" type="datetimeFigureOut">
               <a:rPr lang="en-US" dirty="0"/>
-              <a:t>10/3/21</a:t>
+              <a:t>10/11/21</a:t>
             </a:fld>
             <a:endParaRPr lang="en-US" dirty="0"/>
           </a:p>
@@ -2228,13 +2233,13 @@
   <p:clrMapOvr>
     <a:masterClrMapping/>
   </p:clrMapOvr>
-  <mc:AlternateContent xmlns:mc="http://schemas.openxmlformats.org/markup-compatibility/2006">
-    <mc:Choice xmlns:p159="http://schemas.microsoft.com/office/powerpoint/2015/09/main" Requires="p159">
+  <mc:AlternateContent xmlns:mc="http://schemas.openxmlformats.org/markup-compatibility/2006" xmlns:p159="http://schemas.microsoft.com/office/powerpoint/2015/09/main">
+    <mc:Choice Requires="p159">
       <p:transition xmlns:p14="http://schemas.microsoft.com/office/powerpoint/2010/main" spd="slow" p14:dur="2000">
         <p159:morph option="byObject"/>
       </p:transition>
     </mc:Choice>
-    <mc:Fallback>
+    <mc:Fallback xmlns="">
       <p:transition spd="slow">
         <p:fade/>
       </p:transition>
@@ -2433,7 +2438,7 @@
           <a:p>
             <a:fld id="{48A87A34-81AB-432B-8DAE-1953F412C126}" type="datetimeFigureOut">
               <a:rPr lang="en-US" dirty="0"/>
-              <a:t>10/3/21</a:t>
+              <a:t>10/11/21</a:t>
             </a:fld>
             <a:endParaRPr lang="en-US" dirty="0"/>
           </a:p>
@@ -2517,13 +2522,13 @@
   <p:clrMapOvr>
     <a:masterClrMapping/>
   </p:clrMapOvr>
-  <mc:AlternateContent xmlns:mc="http://schemas.openxmlformats.org/markup-compatibility/2006">
-    <mc:Choice xmlns:p159="http://schemas.microsoft.com/office/powerpoint/2015/09/main" Requires="p159">
+  <mc:AlternateContent xmlns:mc="http://schemas.openxmlformats.org/markup-compatibility/2006" xmlns:p159="http://schemas.microsoft.com/office/powerpoint/2015/09/main">
+    <mc:Choice Requires="p159">
       <p:transition xmlns:p14="http://schemas.microsoft.com/office/powerpoint/2010/main" spd="slow" p14:dur="2000">
         <p159:morph option="byObject"/>
       </p:transition>
     </mc:Choice>
-    <mc:Fallback>
+    <mc:Fallback xmlns="">
       <p:transition spd="slow">
         <p:fade/>
       </p:transition>
@@ -2886,7 +2891,7 @@
             <a:fld id="{48A87A34-81AB-432B-8DAE-1953F412C126}" type="datetimeFigureOut">
               <a:rPr lang="en-US" dirty="0"/>
               <a:pPr/>
-              <a:t>10/3/21</a:t>
+              <a:t>10/11/21</a:t>
             </a:fld>
             <a:endParaRPr lang="en-US" dirty="0"/>
           </a:p>
@@ -2975,13 +2980,13 @@
   <p:clrMapOvr>
     <a:masterClrMapping/>
   </p:clrMapOvr>
-  <mc:AlternateContent xmlns:mc="http://schemas.openxmlformats.org/markup-compatibility/2006">
-    <mc:Choice xmlns:p159="http://schemas.microsoft.com/office/powerpoint/2015/09/main" Requires="p159">
+  <mc:AlternateContent xmlns:mc="http://schemas.openxmlformats.org/markup-compatibility/2006" xmlns:p159="http://schemas.microsoft.com/office/powerpoint/2015/09/main">
+    <mc:Choice Requires="p159">
       <p:transition xmlns:p14="http://schemas.microsoft.com/office/powerpoint/2010/main" spd="slow" p14:dur="2000">
         <p159:morph option="byObject"/>
       </p:transition>
     </mc:Choice>
-    <mc:Fallback>
+    <mc:Fallback xmlns="">
       <p:transition spd="slow">
         <p:fade/>
       </p:transition>
@@ -3221,7 +3226,7 @@
             <a:fld id="{48A87A34-81AB-432B-8DAE-1953F412C126}" type="datetimeFigureOut">
               <a:rPr lang="en-US" dirty="0"/>
               <a:pPr/>
-              <a:t>10/3/21</a:t>
+              <a:t>10/11/21</a:t>
             </a:fld>
             <a:endParaRPr lang="en-US" dirty="0"/>
           </a:p>
@@ -3357,13 +3362,13 @@
     <p:sldLayoutId id="2147483658" r:id="rId10"/>
     <p:sldLayoutId id="2147483659" r:id="rId11"/>
   </p:sldLayoutIdLst>
-  <mc:AlternateContent xmlns:mc="http://schemas.openxmlformats.org/markup-compatibility/2006">
-    <mc:Choice xmlns:p159="http://schemas.microsoft.com/office/powerpoint/2015/09/main" Requires="p159">
+  <mc:AlternateContent xmlns:mc="http://schemas.openxmlformats.org/markup-compatibility/2006" xmlns:p159="http://schemas.microsoft.com/office/powerpoint/2015/09/main">
+    <mc:Choice Requires="p159">
       <p:transition xmlns:p14="http://schemas.microsoft.com/office/powerpoint/2010/main" spd="slow" p14:dur="2000">
         <p159:morph option="byObject"/>
       </p:transition>
     </mc:Choice>
-    <mc:Fallback>
+    <mc:Fallback xmlns="">
       <p:transition spd="slow">
         <p:fade/>
       </p:transition>
@@ -3758,13 +3763,13 @@
   <p:clrMapOvr>
     <a:masterClrMapping/>
   </p:clrMapOvr>
-  <mc:AlternateContent xmlns:mc="http://schemas.openxmlformats.org/markup-compatibility/2006">
-    <mc:Choice xmlns:p159="http://schemas.microsoft.com/office/powerpoint/2015/09/main" Requires="p159">
+  <mc:AlternateContent xmlns:mc="http://schemas.openxmlformats.org/markup-compatibility/2006" xmlns:p159="http://schemas.microsoft.com/office/powerpoint/2015/09/main">
+    <mc:Choice Requires="p159">
       <p:transition xmlns:p14="http://schemas.microsoft.com/office/powerpoint/2010/main" spd="slow" p14:dur="2000">
         <p159:morph option="byObject"/>
       </p:transition>
     </mc:Choice>
-    <mc:Fallback>
+    <mc:Fallback xmlns="">
       <p:transition spd="slow">
         <p:fade/>
       </p:transition>
@@ -3882,13 +3887,13 @@
   <p:clrMapOvr>
     <a:masterClrMapping/>
   </p:clrMapOvr>
-  <mc:AlternateContent xmlns:mc="http://schemas.openxmlformats.org/markup-compatibility/2006">
-    <mc:Choice xmlns:p159="http://schemas.microsoft.com/office/powerpoint/2015/09/main" Requires="p159">
+  <mc:AlternateContent xmlns:mc="http://schemas.openxmlformats.org/markup-compatibility/2006" xmlns:p159="http://schemas.microsoft.com/office/powerpoint/2015/09/main">
+    <mc:Choice Requires="p159">
       <p:transition xmlns:p14="http://schemas.microsoft.com/office/powerpoint/2010/main" spd="slow" p14:dur="2000">
         <p159:morph option="byObject"/>
       </p:transition>
     </mc:Choice>
-    <mc:Fallback>
+    <mc:Fallback xmlns="">
       <p:transition spd="slow">
         <p:fade/>
       </p:transition>
@@ -4204,13 +4209,13 @@
   <p:clrMapOvr>
     <a:masterClrMapping/>
   </p:clrMapOvr>
-  <mc:AlternateContent xmlns:mc="http://schemas.openxmlformats.org/markup-compatibility/2006">
-    <mc:Choice xmlns:p159="http://schemas.microsoft.com/office/powerpoint/2015/09/main" Requires="p159">
+  <mc:AlternateContent xmlns:mc="http://schemas.openxmlformats.org/markup-compatibility/2006" xmlns:p159="http://schemas.microsoft.com/office/powerpoint/2015/09/main">
+    <mc:Choice Requires="p159">
       <p:transition xmlns:p14="http://schemas.microsoft.com/office/powerpoint/2010/main" spd="slow" p14:dur="2000">
         <p159:morph option="byObject"/>
       </p:transition>
     </mc:Choice>
-    <mc:Fallback>
+    <mc:Fallback xmlns="">
       <p:transition spd="slow">
         <p:fade/>
       </p:transition>
@@ -4526,13 +4531,13 @@
   <p:clrMapOvr>
     <a:masterClrMapping/>
   </p:clrMapOvr>
-  <mc:AlternateContent xmlns:mc="http://schemas.openxmlformats.org/markup-compatibility/2006">
-    <mc:Choice xmlns:p159="http://schemas.microsoft.com/office/powerpoint/2015/09/main" Requires="p159">
+  <mc:AlternateContent xmlns:mc="http://schemas.openxmlformats.org/markup-compatibility/2006" xmlns:p159="http://schemas.microsoft.com/office/powerpoint/2015/09/main">
+    <mc:Choice Requires="p159">
       <p:transition xmlns:p14="http://schemas.microsoft.com/office/powerpoint/2010/main" spd="slow" p14:dur="2000">
         <p159:morph option="byObject"/>
       </p:transition>
     </mc:Choice>
-    <mc:Fallback>
+    <mc:Fallback xmlns="">
       <p:transition spd="slow">
         <p:fade/>
       </p:transition>
@@ -4848,13 +4853,13 @@
   <p:clrMapOvr>
     <a:masterClrMapping/>
   </p:clrMapOvr>
-  <mc:AlternateContent xmlns:mc="http://schemas.openxmlformats.org/markup-compatibility/2006">
-    <mc:Choice xmlns:p159="http://schemas.microsoft.com/office/powerpoint/2015/09/main" Requires="p159">
+  <mc:AlternateContent xmlns:mc="http://schemas.openxmlformats.org/markup-compatibility/2006" xmlns:p159="http://schemas.microsoft.com/office/powerpoint/2015/09/main">
+    <mc:Choice Requires="p159">
       <p:transition xmlns:p14="http://schemas.microsoft.com/office/powerpoint/2010/main" spd="slow" p14:dur="2000">
         <p159:morph option="byObject"/>
       </p:transition>
     </mc:Choice>
-    <mc:Fallback>
+    <mc:Fallback xmlns="">
       <p:transition spd="slow">
         <p:fade/>
       </p:transition>
@@ -5170,13 +5175,13 @@
   <p:clrMapOvr>
     <a:masterClrMapping/>
   </p:clrMapOvr>
-  <mc:AlternateContent xmlns:mc="http://schemas.openxmlformats.org/markup-compatibility/2006">
-    <mc:Choice xmlns:p159="http://schemas.microsoft.com/office/powerpoint/2015/09/main" Requires="p159">
+  <mc:AlternateContent xmlns:mc="http://schemas.openxmlformats.org/markup-compatibility/2006" xmlns:p159="http://schemas.microsoft.com/office/powerpoint/2015/09/main">
+    <mc:Choice Requires="p159">
       <p:transition xmlns:p14="http://schemas.microsoft.com/office/powerpoint/2010/main" spd="slow" p14:dur="2000">
         <p159:morph option="byObject"/>
       </p:transition>
     </mc:Choice>
-    <mc:Fallback>
+    <mc:Fallback xmlns="">
       <p:transition spd="slow">
         <p:fade/>
       </p:transition>
@@ -5492,13 +5497,13 @@
   <p:clrMapOvr>
     <a:masterClrMapping/>
   </p:clrMapOvr>
-  <mc:AlternateContent xmlns:mc="http://schemas.openxmlformats.org/markup-compatibility/2006">
-    <mc:Choice xmlns:p159="http://schemas.microsoft.com/office/powerpoint/2015/09/main" Requires="p159">
+  <mc:AlternateContent xmlns:mc="http://schemas.openxmlformats.org/markup-compatibility/2006" xmlns:p159="http://schemas.microsoft.com/office/powerpoint/2015/09/main">
+    <mc:Choice Requires="p159">
       <p:transition xmlns:p14="http://schemas.microsoft.com/office/powerpoint/2010/main" spd="slow" p14:dur="2000">
         <p159:morph option="byObject"/>
       </p:transition>
     </mc:Choice>
-    <mc:Fallback>
+    <mc:Fallback xmlns="">
       <p:transition spd="slow">
         <p:fade/>
       </p:transition>
@@ -5583,7 +5588,7 @@
           <a:p>
             <a:r>
               <a:rPr lang="en-US" sz="2400" dirty="0"/>
-              <a:t>Inherited properties: (color, background-color, font-family, font-size, and so on)</a:t>
+              <a:t>Inherited properties: (color, font-family, font-size, and so on)</a:t>
             </a:r>
           </a:p>
           <a:p>
@@ -5591,6 +5596,19 @@
               <a:rPr lang="en-US" sz="2400" dirty="0"/>
               <a:t>Non-inherited properties: (border, margin, padding, display, and so on) </a:t>
             </a:r>
+          </a:p>
+          <a:p>
+            <a:r>
+              <a:rPr lang="en-US" sz="2400" dirty="0"/>
+              <a:t>Demo </a:t>
+            </a:r>
+            <a:r>
+              <a:rPr lang="en-US" sz="2400" dirty="0">
+                <a:sym typeface="Wingdings" pitchFamily="2" charset="2"/>
+              </a:rPr>
+              <a:t> </a:t>
+            </a:r>
+            <a:endParaRPr lang="en-US" sz="2400" dirty="0"/>
           </a:p>
         </p:txBody>
       </p:sp>
@@ -5604,13 +5622,13 @@
   <p:clrMapOvr>
     <a:masterClrMapping/>
   </p:clrMapOvr>
-  <mc:AlternateContent xmlns:mc="http://schemas.openxmlformats.org/markup-compatibility/2006">
-    <mc:Choice xmlns:p159="http://schemas.microsoft.com/office/powerpoint/2015/09/main" Requires="p159">
+  <mc:AlternateContent xmlns:mc="http://schemas.openxmlformats.org/markup-compatibility/2006" xmlns:p159="http://schemas.microsoft.com/office/powerpoint/2015/09/main">
+    <mc:Choice Requires="p159">
       <p:transition xmlns:p14="http://schemas.microsoft.com/office/powerpoint/2010/main" spd="slow" p14:dur="2000">
         <p159:morph option="byObject"/>
       </p:transition>
     </mc:Choice>
-    <mc:Fallback>
+    <mc:Fallback xmlns="">
       <p:transition spd="slow">
         <p:fade/>
       </p:transition>
@@ -5849,6 +5867,67 @@
                       </p:childTnLst>
                     </p:cTn>
                   </p:par>
+                  <p:par>
+                    <p:cTn id="19" fill="hold">
+                      <p:stCondLst>
+                        <p:cond delay="indefinite"/>
+                      </p:stCondLst>
+                      <p:childTnLst>
+                        <p:par>
+                          <p:cTn id="20" fill="hold">
+                            <p:stCondLst>
+                              <p:cond delay="0"/>
+                            </p:stCondLst>
+                            <p:childTnLst>
+                              <p:par>
+                                <p:cTn id="21" presetID="3" presetClass="entr" presetSubtype="10" fill="hold" nodeType="clickEffect">
+                                  <p:stCondLst>
+                                    <p:cond delay="0"/>
+                                  </p:stCondLst>
+                                  <p:childTnLst>
+                                    <p:set>
+                                      <p:cBhvr>
+                                        <p:cTn id="22" dur="1" fill="hold">
+                                          <p:stCondLst>
+                                            <p:cond delay="0"/>
+                                          </p:stCondLst>
+                                        </p:cTn>
+                                        <p:tgtEl>
+                                          <p:spTgt spid="3">
+                                            <p:txEl>
+                                              <p:pRg st="3" end="3"/>
+                                            </p:txEl>
+                                          </p:spTgt>
+                                        </p:tgtEl>
+                                        <p:attrNameLst>
+                                          <p:attrName>style.visibility</p:attrName>
+                                        </p:attrNameLst>
+                                      </p:cBhvr>
+                                      <p:to>
+                                        <p:strVal val="visible"/>
+                                      </p:to>
+                                    </p:set>
+                                    <p:animEffect transition="in" filter="blinds(horizontal)">
+                                      <p:cBhvr>
+                                        <p:cTn id="23" dur="500"/>
+                                        <p:tgtEl>
+                                          <p:spTgt spid="3">
+                                            <p:txEl>
+                                              <p:pRg st="3" end="3"/>
+                                            </p:txEl>
+                                          </p:spTgt>
+                                        </p:tgtEl>
+                                      </p:cBhvr>
+                                    </p:animEffect>
+                                  </p:childTnLst>
+                                </p:cTn>
+                              </p:par>
+                            </p:childTnLst>
+                          </p:cTn>
+                        </p:par>
+                      </p:childTnLst>
+                    </p:cTn>
+                  </p:par>
                 </p:childTnLst>
               </p:cTn>
               <p:prevCondLst>
@@ -5938,7 +6017,7 @@
         <p:spPr/>
         <p:txBody>
           <a:bodyPr>
-            <a:normAutofit fontScale="92500" lnSpcReduction="20000"/>
+            <a:normAutofit fontScale="62500" lnSpcReduction="20000"/>
           </a:bodyPr>
           <a:lstStyle/>
           <a:p>
@@ -5958,29 +6037,38 @@
           <a:p>
             <a:r>
               <a:rPr lang="en-US" sz="2800" dirty="0"/>
-              <a:t>Example: Browser default style, </a:t>
-            </a:r>
-            <a:r>
-              <a:rPr lang="en-US" sz="2800" dirty="0" err="1"/>
-              <a:t>style.css</a:t>
-            </a:r>
-            <a:endParaRPr lang="en-US" sz="2800" dirty="0"/>
+              <a:t>Below is a list of possible sources of a CSS rule. They are listed by order of importance. As the creator of the style sheet, you're the author.</a:t>
+            </a:r>
           </a:p>
           <a:p>
             <a:r>
               <a:rPr lang="en-US" sz="2800" dirty="0"/>
-              <a:t>What happens with conflicts? </a:t>
+              <a:t>Author inline styles</a:t>
             </a:r>
           </a:p>
           <a:p>
             <a:r>
               <a:rPr lang="en-US" sz="2800" dirty="0"/>
-              <a:t>Answer: Orders matter</a:t>
-            </a:r>
-            <a:br>
+              <a:t>Author embedded styles (aka: internal style sheets)</a:t>
+            </a:r>
+          </a:p>
+          <a:p>
+            <a:r>
               <a:rPr lang="en-US" sz="2800" dirty="0"/>
-            </a:br>
-            <a:endParaRPr lang="en-US" sz="2800" dirty="0"/>
+              <a:t>Author external style sheet</a:t>
+            </a:r>
+          </a:p>
+          <a:p>
+            <a:r>
+              <a:rPr lang="en-US" sz="2800" dirty="0"/>
+              <a:t>User style sheet</a:t>
+            </a:r>
+          </a:p>
+          <a:p>
+            <a:r>
+              <a:rPr lang="en-US" sz="2800" dirty="0"/>
+              <a:t>Default browser style sheet</a:t>
+            </a:r>
           </a:p>
         </p:txBody>
       </p:sp>
@@ -5994,18 +6082,403 @@
   <p:clrMapOvr>
     <a:masterClrMapping/>
   </p:clrMapOvr>
-  <mc:AlternateContent xmlns:mc="http://schemas.openxmlformats.org/markup-compatibility/2006">
-    <mc:Choice xmlns:p159="http://schemas.microsoft.com/office/powerpoint/2015/09/main" Requires="p159">
+  <mc:AlternateContent xmlns:mc="http://schemas.openxmlformats.org/markup-compatibility/2006" xmlns:p159="http://schemas.microsoft.com/office/powerpoint/2015/09/main">
+    <mc:Choice Requires="p159">
       <p:transition xmlns:p14="http://schemas.microsoft.com/office/powerpoint/2010/main" spd="slow" p14:dur="2000">
         <p159:morph option="byObject"/>
       </p:transition>
     </mc:Choice>
-    <mc:Fallback>
+    <mc:Fallback xmlns="">
       <p:transition spd="slow">
         <p:fade/>
       </p:transition>
     </mc:Fallback>
   </mc:AlternateContent>
+  <p:timing>
+    <p:tnLst>
+      <p:par>
+        <p:cTn id="1" dur="indefinite" restart="never" nodeType="tmRoot">
+          <p:childTnLst>
+            <p:seq concurrent="1" nextAc="seek">
+              <p:cTn id="2" dur="indefinite" nodeType="mainSeq">
+                <p:childTnLst>
+                  <p:par>
+                    <p:cTn id="3" fill="hold">
+                      <p:stCondLst>
+                        <p:cond delay="indefinite"/>
+                      </p:stCondLst>
+                      <p:childTnLst>
+                        <p:par>
+                          <p:cTn id="4" fill="hold">
+                            <p:stCondLst>
+                              <p:cond delay="0"/>
+                            </p:stCondLst>
+                            <p:childTnLst>
+                              <p:par>
+                                <p:cTn id="5" presetID="3" presetClass="entr" presetSubtype="10" fill="hold" nodeType="clickEffect">
+                                  <p:stCondLst>
+                                    <p:cond delay="0"/>
+                                  </p:stCondLst>
+                                  <p:childTnLst>
+                                    <p:set>
+                                      <p:cBhvr>
+                                        <p:cTn id="6" dur="1" fill="hold">
+                                          <p:stCondLst>
+                                            <p:cond delay="0"/>
+                                          </p:stCondLst>
+                                        </p:cTn>
+                                        <p:tgtEl>
+                                          <p:spTgt spid="3">
+                                            <p:txEl>
+                                              <p:pRg st="0" end="0"/>
+                                            </p:txEl>
+                                          </p:spTgt>
+                                        </p:tgtEl>
+                                        <p:attrNameLst>
+                                          <p:attrName>style.visibility</p:attrName>
+                                        </p:attrNameLst>
+                                      </p:cBhvr>
+                                      <p:to>
+                                        <p:strVal val="visible"/>
+                                      </p:to>
+                                    </p:set>
+                                    <p:animEffect transition="in" filter="blinds(horizontal)">
+                                      <p:cBhvr>
+                                        <p:cTn id="7" dur="500"/>
+                                        <p:tgtEl>
+                                          <p:spTgt spid="3">
+                                            <p:txEl>
+                                              <p:pRg st="0" end="0"/>
+                                            </p:txEl>
+                                          </p:spTgt>
+                                        </p:tgtEl>
+                                      </p:cBhvr>
+                                    </p:animEffect>
+                                  </p:childTnLst>
+                                </p:cTn>
+                              </p:par>
+                            </p:childTnLst>
+                          </p:cTn>
+                        </p:par>
+                      </p:childTnLst>
+                    </p:cTn>
+                  </p:par>
+                  <p:par>
+                    <p:cTn id="8" fill="hold">
+                      <p:stCondLst>
+                        <p:cond delay="indefinite"/>
+                      </p:stCondLst>
+                      <p:childTnLst>
+                        <p:par>
+                          <p:cTn id="9" fill="hold">
+                            <p:stCondLst>
+                              <p:cond delay="0"/>
+                            </p:stCondLst>
+                            <p:childTnLst>
+                              <p:par>
+                                <p:cTn id="10" presetID="3" presetClass="entr" presetSubtype="10" fill="hold" nodeType="clickEffect">
+                                  <p:stCondLst>
+                                    <p:cond delay="0"/>
+                                  </p:stCondLst>
+                                  <p:childTnLst>
+                                    <p:set>
+                                      <p:cBhvr>
+                                        <p:cTn id="11" dur="1" fill="hold">
+                                          <p:stCondLst>
+                                            <p:cond delay="0"/>
+                                          </p:stCondLst>
+                                        </p:cTn>
+                                        <p:tgtEl>
+                                          <p:spTgt spid="3">
+                                            <p:txEl>
+                                              <p:pRg st="1" end="1"/>
+                                            </p:txEl>
+                                          </p:spTgt>
+                                        </p:tgtEl>
+                                        <p:attrNameLst>
+                                          <p:attrName>style.visibility</p:attrName>
+                                        </p:attrNameLst>
+                                      </p:cBhvr>
+                                      <p:to>
+                                        <p:strVal val="visible"/>
+                                      </p:to>
+                                    </p:set>
+                                    <p:animEffect transition="in" filter="blinds(horizontal)">
+                                      <p:cBhvr>
+                                        <p:cTn id="12" dur="500"/>
+                                        <p:tgtEl>
+                                          <p:spTgt spid="3">
+                                            <p:txEl>
+                                              <p:pRg st="1" end="1"/>
+                                            </p:txEl>
+                                          </p:spTgt>
+                                        </p:tgtEl>
+                                      </p:cBhvr>
+                                    </p:animEffect>
+                                  </p:childTnLst>
+                                </p:cTn>
+                              </p:par>
+                            </p:childTnLst>
+                          </p:cTn>
+                        </p:par>
+                      </p:childTnLst>
+                    </p:cTn>
+                  </p:par>
+                  <p:par>
+                    <p:cTn id="13" fill="hold">
+                      <p:stCondLst>
+                        <p:cond delay="indefinite"/>
+                      </p:stCondLst>
+                      <p:childTnLst>
+                        <p:par>
+                          <p:cTn id="14" fill="hold">
+                            <p:stCondLst>
+                              <p:cond delay="0"/>
+                            </p:stCondLst>
+                            <p:childTnLst>
+                              <p:par>
+                                <p:cTn id="15" presetID="3" presetClass="entr" presetSubtype="10" fill="hold" nodeType="clickEffect">
+                                  <p:stCondLst>
+                                    <p:cond delay="0"/>
+                                  </p:stCondLst>
+                                  <p:childTnLst>
+                                    <p:set>
+                                      <p:cBhvr>
+                                        <p:cTn id="16" dur="1" fill="hold">
+                                          <p:stCondLst>
+                                            <p:cond delay="0"/>
+                                          </p:stCondLst>
+                                        </p:cTn>
+                                        <p:tgtEl>
+                                          <p:spTgt spid="3">
+                                            <p:txEl>
+                                              <p:pRg st="2" end="2"/>
+                                            </p:txEl>
+                                          </p:spTgt>
+                                        </p:tgtEl>
+                                        <p:attrNameLst>
+                                          <p:attrName>style.visibility</p:attrName>
+                                        </p:attrNameLst>
+                                      </p:cBhvr>
+                                      <p:to>
+                                        <p:strVal val="visible"/>
+                                      </p:to>
+                                    </p:set>
+                                    <p:animEffect transition="in" filter="blinds(horizontal)">
+                                      <p:cBhvr>
+                                        <p:cTn id="17" dur="500"/>
+                                        <p:tgtEl>
+                                          <p:spTgt spid="3">
+                                            <p:txEl>
+                                              <p:pRg st="2" end="2"/>
+                                            </p:txEl>
+                                          </p:spTgt>
+                                        </p:tgtEl>
+                                      </p:cBhvr>
+                                    </p:animEffect>
+                                  </p:childTnLst>
+                                </p:cTn>
+                              </p:par>
+                              <p:par>
+                                <p:cTn id="18" presetID="3" presetClass="entr" presetSubtype="10" fill="hold" nodeType="withEffect">
+                                  <p:stCondLst>
+                                    <p:cond delay="0"/>
+                                  </p:stCondLst>
+                                  <p:childTnLst>
+                                    <p:set>
+                                      <p:cBhvr>
+                                        <p:cTn id="19" dur="1" fill="hold">
+                                          <p:stCondLst>
+                                            <p:cond delay="0"/>
+                                          </p:stCondLst>
+                                        </p:cTn>
+                                        <p:tgtEl>
+                                          <p:spTgt spid="3">
+                                            <p:txEl>
+                                              <p:pRg st="3" end="3"/>
+                                            </p:txEl>
+                                          </p:spTgt>
+                                        </p:tgtEl>
+                                        <p:attrNameLst>
+                                          <p:attrName>style.visibility</p:attrName>
+                                        </p:attrNameLst>
+                                      </p:cBhvr>
+                                      <p:to>
+                                        <p:strVal val="visible"/>
+                                      </p:to>
+                                    </p:set>
+                                    <p:animEffect transition="in" filter="blinds(horizontal)">
+                                      <p:cBhvr>
+                                        <p:cTn id="20" dur="500"/>
+                                        <p:tgtEl>
+                                          <p:spTgt spid="3">
+                                            <p:txEl>
+                                              <p:pRg st="3" end="3"/>
+                                            </p:txEl>
+                                          </p:spTgt>
+                                        </p:tgtEl>
+                                      </p:cBhvr>
+                                    </p:animEffect>
+                                  </p:childTnLst>
+                                </p:cTn>
+                              </p:par>
+                              <p:par>
+                                <p:cTn id="21" presetID="3" presetClass="entr" presetSubtype="10" fill="hold" nodeType="withEffect">
+                                  <p:stCondLst>
+                                    <p:cond delay="0"/>
+                                  </p:stCondLst>
+                                  <p:childTnLst>
+                                    <p:set>
+                                      <p:cBhvr>
+                                        <p:cTn id="22" dur="1" fill="hold">
+                                          <p:stCondLst>
+                                            <p:cond delay="0"/>
+                                          </p:stCondLst>
+                                        </p:cTn>
+                                        <p:tgtEl>
+                                          <p:spTgt spid="3">
+                                            <p:txEl>
+                                              <p:pRg st="4" end="4"/>
+                                            </p:txEl>
+                                          </p:spTgt>
+                                        </p:tgtEl>
+                                        <p:attrNameLst>
+                                          <p:attrName>style.visibility</p:attrName>
+                                        </p:attrNameLst>
+                                      </p:cBhvr>
+                                      <p:to>
+                                        <p:strVal val="visible"/>
+                                      </p:to>
+                                    </p:set>
+                                    <p:animEffect transition="in" filter="blinds(horizontal)">
+                                      <p:cBhvr>
+                                        <p:cTn id="23" dur="500"/>
+                                        <p:tgtEl>
+                                          <p:spTgt spid="3">
+                                            <p:txEl>
+                                              <p:pRg st="4" end="4"/>
+                                            </p:txEl>
+                                          </p:spTgt>
+                                        </p:tgtEl>
+                                      </p:cBhvr>
+                                    </p:animEffect>
+                                  </p:childTnLst>
+                                </p:cTn>
+                              </p:par>
+                              <p:par>
+                                <p:cTn id="24" presetID="3" presetClass="entr" presetSubtype="10" fill="hold" nodeType="withEffect">
+                                  <p:stCondLst>
+                                    <p:cond delay="0"/>
+                                  </p:stCondLst>
+                                  <p:childTnLst>
+                                    <p:set>
+                                      <p:cBhvr>
+                                        <p:cTn id="25" dur="1" fill="hold">
+                                          <p:stCondLst>
+                                            <p:cond delay="0"/>
+                                          </p:stCondLst>
+                                        </p:cTn>
+                                        <p:tgtEl>
+                                          <p:spTgt spid="3">
+                                            <p:txEl>
+                                              <p:pRg st="5" end="5"/>
+                                            </p:txEl>
+                                          </p:spTgt>
+                                        </p:tgtEl>
+                                        <p:attrNameLst>
+                                          <p:attrName>style.visibility</p:attrName>
+                                        </p:attrNameLst>
+                                      </p:cBhvr>
+                                      <p:to>
+                                        <p:strVal val="visible"/>
+                                      </p:to>
+                                    </p:set>
+                                    <p:animEffect transition="in" filter="blinds(horizontal)">
+                                      <p:cBhvr>
+                                        <p:cTn id="26" dur="500"/>
+                                        <p:tgtEl>
+                                          <p:spTgt spid="3">
+                                            <p:txEl>
+                                              <p:pRg st="5" end="5"/>
+                                            </p:txEl>
+                                          </p:spTgt>
+                                        </p:tgtEl>
+                                      </p:cBhvr>
+                                    </p:animEffect>
+                                  </p:childTnLst>
+                                </p:cTn>
+                              </p:par>
+                              <p:par>
+                                <p:cTn id="27" presetID="3" presetClass="entr" presetSubtype="10" fill="hold" nodeType="withEffect">
+                                  <p:stCondLst>
+                                    <p:cond delay="0"/>
+                                  </p:stCondLst>
+                                  <p:childTnLst>
+                                    <p:set>
+                                      <p:cBhvr>
+                                        <p:cTn id="28" dur="1" fill="hold">
+                                          <p:stCondLst>
+                                            <p:cond delay="0"/>
+                                          </p:stCondLst>
+                                        </p:cTn>
+                                        <p:tgtEl>
+                                          <p:spTgt spid="3">
+                                            <p:txEl>
+                                              <p:pRg st="6" end="6"/>
+                                            </p:txEl>
+                                          </p:spTgt>
+                                        </p:tgtEl>
+                                        <p:attrNameLst>
+                                          <p:attrName>style.visibility</p:attrName>
+                                        </p:attrNameLst>
+                                      </p:cBhvr>
+                                      <p:to>
+                                        <p:strVal val="visible"/>
+                                      </p:to>
+                                    </p:set>
+                                    <p:animEffect transition="in" filter="blinds(horizontal)">
+                                      <p:cBhvr>
+                                        <p:cTn id="29" dur="500"/>
+                                        <p:tgtEl>
+                                          <p:spTgt spid="3">
+                                            <p:txEl>
+                                              <p:pRg st="6" end="6"/>
+                                            </p:txEl>
+                                          </p:spTgt>
+                                        </p:tgtEl>
+                                      </p:cBhvr>
+                                    </p:animEffect>
+                                  </p:childTnLst>
+                                </p:cTn>
+                              </p:par>
+                            </p:childTnLst>
+                          </p:cTn>
+                        </p:par>
+                      </p:childTnLst>
+                    </p:cTn>
+                  </p:par>
+                </p:childTnLst>
+              </p:cTn>
+              <p:prevCondLst>
+                <p:cond evt="onPrev" delay="0">
+                  <p:tgtEl>
+                    <p:sldTgt/>
+                  </p:tgtEl>
+                </p:cond>
+              </p:prevCondLst>
+              <p:nextCondLst>
+                <p:cond evt="onNext" delay="0">
+                  <p:tgtEl>
+                    <p:sldTgt/>
+                  </p:tgtEl>
+                </p:cond>
+              </p:nextCondLst>
+            </p:seq>
+          </p:childTnLst>
+        </p:cTn>
+      </p:par>
+    </p:tnLst>
+  </p:timing>
 </p:sld>
 </file>
 
